--- a/Prezentacio/1_Prezentáció.pptx
+++ b/Prezentacio/1_Prezentáció.pptx
@@ -13,9 +13,10 @@
     <p:sldId id="259" r:id="rId7"/>
     <p:sldId id="266" r:id="rId8"/>
     <p:sldId id="264" r:id="rId9"/>
-    <p:sldId id="260" r:id="rId10"/>
-    <p:sldId id="265" r:id="rId11"/>
-    <p:sldId id="261" r:id="rId12"/>
+    <p:sldId id="267" r:id="rId10"/>
+    <p:sldId id="260" r:id="rId11"/>
+    <p:sldId id="265" r:id="rId12"/>
+    <p:sldId id="261" r:id="rId13"/>
   </p:sldIdLst>
   <p:sldSz cx="9144000" cy="6858000" type="screen4x3"/>
   <p:notesSz cx="6858000" cy="9144000"/>
@@ -3891,7 +3892,7 @@
     </p:spTree>
     <p:extLst>
       <p:ext uri="{BB962C8B-B14F-4D97-AF65-F5344CB8AC3E}">
-        <p14:creationId xmlns:p14="http://schemas.microsoft.com/office/powerpoint/2010/main" xmlns="" val="3937558790"/>
+        <p14:creationId xmlns="" xmlns:p14="http://schemas.microsoft.com/office/powerpoint/2010/main" val="3937558790"/>
       </p:ext>
     </p:extLst>
   </p:cSld>
@@ -3920,7 +3921,7 @@
       </p:grpSpPr>
       <p:sp>
         <p:nvSpPr>
-          <p:cNvPr id="2" name="Tartalom helye 1"/>
+          <p:cNvPr id="2" name="Content Placeholder 1"/>
           <p:cNvSpPr>
             <a:spLocks noGrp="1"/>
           </p:cNvSpPr>
@@ -3935,7 +3936,7 @@
           <a:p>
             <a:r>
               <a:rPr lang="hu-HU" dirty="0" smtClean="0"/>
-              <a:t>[1] http://upcommons.upc.edu/bitstream/handle/2117/78023/BachelorThesis_AlejandroPerez.pdf?sequence=1</a:t>
+              <a:t>Célunk egy olyan algoritmus megalkotása volt, mely nyomtatott szkennelt képen jól detektálja a karaktereket. A maximális hatékonyság sajnos nagyon paraméterfüggő, ezek többszöri tesztelése esetén kaphatunk közelítőleg jó eredményt. A képek a tesztjeink során nem voltak érzékenyek a forgatásra.</a:t>
             </a:r>
             <a:endParaRPr lang="hu-HU" dirty="0"/>
           </a:p>
@@ -3943,7 +3944,7 @@
       </p:sp>
       <p:sp>
         <p:nvSpPr>
-          <p:cNvPr id="3" name="Cím 2"/>
+          <p:cNvPr id="3" name="Title 2"/>
           <p:cNvSpPr>
             <a:spLocks noGrp="1"/>
           </p:cNvSpPr>
@@ -3958,13 +3959,18 @@
           <a:p>
             <a:r>
               <a:rPr lang="hu-HU" dirty="0" smtClean="0"/>
-              <a:t>Források</a:t>
+              <a:t>Összegzés</a:t>
             </a:r>
             <a:endParaRPr lang="hu-HU" dirty="0"/>
           </a:p>
         </p:txBody>
       </p:sp>
     </p:spTree>
+    <p:extLst>
+      <p:ext uri="{BB962C8B-B14F-4D97-AF65-F5344CB8AC3E}">
+        <p14:creationId xmlns="" xmlns:p14="http://schemas.microsoft.com/office/powerpoint/2010/main" val="1966524369"/>
+      </p:ext>
+    </p:extLst>
   </p:cSld>
   <p:clrMapOvr>
     <a:masterClrMapping/>
@@ -3991,6 +3997,77 @@
       </p:grpSpPr>
       <p:sp>
         <p:nvSpPr>
+          <p:cNvPr id="2" name="Tartalom helye 1"/>
+          <p:cNvSpPr>
+            <a:spLocks noGrp="1"/>
+          </p:cNvSpPr>
+          <p:nvPr>
+            <p:ph idx="1"/>
+          </p:nvPr>
+        </p:nvSpPr>
+        <p:spPr/>
+        <p:txBody>
+          <a:bodyPr/>
+          <a:lstStyle/>
+          <a:p>
+            <a:r>
+              <a:rPr lang="hu-HU" dirty="0" smtClean="0"/>
+              <a:t>[1] http://upcommons.upc.edu/bitstream/handle/2117/78023/BachelorThesis_AlejandroPerez.pdf?sequence=1</a:t>
+            </a:r>
+            <a:endParaRPr lang="hu-HU" dirty="0"/>
+          </a:p>
+        </p:txBody>
+      </p:sp>
+      <p:sp>
+        <p:nvSpPr>
+          <p:cNvPr id="3" name="Cím 2"/>
+          <p:cNvSpPr>
+            <a:spLocks noGrp="1"/>
+          </p:cNvSpPr>
+          <p:nvPr>
+            <p:ph type="title"/>
+          </p:nvPr>
+        </p:nvSpPr>
+        <p:spPr/>
+        <p:txBody>
+          <a:bodyPr/>
+          <a:lstStyle/>
+          <a:p>
+            <a:r>
+              <a:rPr lang="hu-HU" dirty="0" smtClean="0"/>
+              <a:t>Források</a:t>
+            </a:r>
+            <a:endParaRPr lang="hu-HU" dirty="0"/>
+          </a:p>
+        </p:txBody>
+      </p:sp>
+    </p:spTree>
+  </p:cSld>
+  <p:clrMapOvr>
+    <a:masterClrMapping/>
+  </p:clrMapOvr>
+</p:sld>
+</file>
+
+<file path=ppt/slides/slide12.xml><?xml version="1.0" encoding="utf-8"?>
+<p:sld xmlns:a="http://schemas.openxmlformats.org/drawingml/2006/main" xmlns:r="http://schemas.openxmlformats.org/officeDocument/2006/relationships" xmlns:p="http://schemas.openxmlformats.org/presentationml/2006/main">
+  <p:cSld>
+    <p:spTree>
+      <p:nvGrpSpPr>
+        <p:cNvPr id="1" name=""/>
+        <p:cNvGrpSpPr/>
+        <p:nvPr/>
+      </p:nvGrpSpPr>
+      <p:grpSpPr>
+        <a:xfrm>
+          <a:off x="0" y="0"/>
+          <a:ext cx="0" cy="0"/>
+          <a:chOff x="0" y="0"/>
+          <a:chExt cx="0" cy="0"/>
+        </a:xfrm>
+      </p:grpSpPr>
+      <p:sp>
+        <p:nvSpPr>
           <p:cNvPr id="2" name="Content Placeholder 1"/>
           <p:cNvSpPr>
             <a:spLocks noGrp="1"/>
@@ -4034,7 +4111,7 @@
     </p:spTree>
     <p:extLst>
       <p:ext uri="{BB962C8B-B14F-4D97-AF65-F5344CB8AC3E}">
-        <p14:creationId xmlns:p14="http://schemas.microsoft.com/office/powerpoint/2010/main" xmlns="" val="910561984"/>
+        <p14:creationId xmlns="" xmlns:p14="http://schemas.microsoft.com/office/powerpoint/2010/main" val="910561984"/>
       </p:ext>
     </p:extLst>
   </p:cSld>
@@ -4166,7 +4243,7 @@
           <a:blip r:embed="rId2" cstate="print">
             <a:extLst>
               <a:ext uri="{28A0092B-C50C-407E-A947-70E740481C1C}">
-                <a14:useLocalDpi xmlns:a14="http://schemas.microsoft.com/office/drawing/2010/main" xmlns="" val="0"/>
+                <a14:useLocalDpi xmlns="" xmlns:a14="http://schemas.microsoft.com/office/drawing/2010/main" val="0"/>
               </a:ext>
             </a:extLst>
           </a:blip>
@@ -4187,7 +4264,7 @@
     </p:spTree>
     <p:extLst>
       <p:ext uri="{BB962C8B-B14F-4D97-AF65-F5344CB8AC3E}">
-        <p14:creationId xmlns:p14="http://schemas.microsoft.com/office/powerpoint/2010/main" xmlns="" val="989370125"/>
+        <p14:creationId xmlns="" xmlns:p14="http://schemas.microsoft.com/office/powerpoint/2010/main" val="989370125"/>
       </p:ext>
     </p:extLst>
   </p:cSld>
@@ -4345,7 +4422,7 @@
     </p:spTree>
     <p:extLst>
       <p:ext uri="{BB962C8B-B14F-4D97-AF65-F5344CB8AC3E}">
-        <p14:creationId xmlns:p14="http://schemas.microsoft.com/office/powerpoint/2010/main" xmlns="" val="3546478610"/>
+        <p14:creationId xmlns="" xmlns:p14="http://schemas.microsoft.com/office/powerpoint/2010/main" val="3546478610"/>
       </p:ext>
     </p:extLst>
   </p:cSld>
@@ -4545,7 +4622,7 @@
     </p:spTree>
     <p:extLst>
       <p:ext uri="{BB962C8B-B14F-4D97-AF65-F5344CB8AC3E}">
-        <p14:creationId xmlns:p14="http://schemas.microsoft.com/office/powerpoint/2010/main" xmlns="" val="2693229677"/>
+        <p14:creationId xmlns="" xmlns:p14="http://schemas.microsoft.com/office/powerpoint/2010/main" val="2693229677"/>
       </p:ext>
     </p:extLst>
   </p:cSld>
@@ -4844,7 +4921,7 @@
     </p:spTree>
     <p:extLst>
       <p:ext uri="{BB962C8B-B14F-4D97-AF65-F5344CB8AC3E}">
-        <p14:creationId xmlns:p14="http://schemas.microsoft.com/office/powerpoint/2010/main" xmlns="" val="1690814174"/>
+        <p14:creationId xmlns="" xmlns:p14="http://schemas.microsoft.com/office/powerpoint/2010/main" val="1690814174"/>
       </p:ext>
     </p:extLst>
   </p:cSld>
@@ -5065,56 +5142,52 @@
       </p:grpSpPr>
       <p:sp>
         <p:nvSpPr>
-          <p:cNvPr id="2" name="Content Placeholder 1"/>
-          <p:cNvSpPr>
-            <a:spLocks noGrp="1"/>
-          </p:cNvSpPr>
-          <p:nvPr>
-            <p:ph idx="1"/>
-          </p:nvPr>
-        </p:nvSpPr>
-        <p:spPr/>
-        <p:txBody>
-          <a:bodyPr/>
-          <a:lstStyle/>
-          <a:p>
-            <a:r>
-              <a:rPr lang="hu-HU" dirty="0" smtClean="0"/>
-              <a:t>Célunk egy olyan algoritmus megalkotása volt, mely nyomtatott szkennelt képen jól detektálja a karaktereket. A maximális hatékonyság sajnos nagyon paraméterfüggő, ezek többszöri tesztelése esetén kaphatunk közelítőleg jó eredményt. A képek a tesztjeink során nem voltak érzékenyek a forgatásra.</a:t>
+          <p:cNvPr id="3" name="Cím 2"/>
+          <p:cNvSpPr>
+            <a:spLocks noGrp="1"/>
+          </p:cNvSpPr>
+          <p:nvPr>
+            <p:ph type="title"/>
+          </p:nvPr>
+        </p:nvSpPr>
+        <p:spPr/>
+        <p:txBody>
+          <a:bodyPr/>
+          <a:lstStyle/>
+          <a:p>
+            <a:r>
+              <a:rPr lang="hu-HU" dirty="0" smtClean="0"/>
+              <a:t>Néhány tesztkép</a:t>
             </a:r>
             <a:endParaRPr lang="hu-HU" dirty="0"/>
           </a:p>
         </p:txBody>
       </p:sp>
-      <p:sp>
-        <p:nvSpPr>
-          <p:cNvPr id="3" name="Title 2"/>
-          <p:cNvSpPr>
-            <a:spLocks noGrp="1"/>
-          </p:cNvSpPr>
-          <p:nvPr>
-            <p:ph type="title"/>
-          </p:nvPr>
-        </p:nvSpPr>
-        <p:spPr/>
-        <p:txBody>
-          <a:bodyPr/>
-          <a:lstStyle/>
-          <a:p>
-            <a:r>
-              <a:rPr lang="hu-HU" dirty="0" smtClean="0"/>
-              <a:t>Összegzés</a:t>
-            </a:r>
-            <a:endParaRPr lang="hu-HU" dirty="0"/>
-          </a:p>
-        </p:txBody>
-      </p:sp>
+      <p:pic>
+        <p:nvPicPr>
+          <p:cNvPr id="4" name="Kép 3" descr="scrshot.png"/>
+          <p:cNvPicPr>
+            <a:picLocks noChangeAspect="1"/>
+          </p:cNvPicPr>
+          <p:nvPr/>
+        </p:nvPicPr>
+        <p:blipFill>
+          <a:blip r:embed="rId2" cstate="print"/>
+          <a:stretch>
+            <a:fillRect/>
+          </a:stretch>
+        </p:blipFill>
+        <p:spPr>
+          <a:xfrm>
+            <a:off x="395536" y="1692525"/>
+            <a:ext cx="8280920" cy="4908704"/>
+          </a:xfrm>
+          <a:prstGeom prst="rect">
+            <a:avLst/>
+          </a:prstGeom>
+        </p:spPr>
+      </p:pic>
     </p:spTree>
-    <p:extLst>
-      <p:ext uri="{BB962C8B-B14F-4D97-AF65-F5344CB8AC3E}">
-        <p14:creationId xmlns:p14="http://schemas.microsoft.com/office/powerpoint/2010/main" xmlns="" val="1966524369"/>
-      </p:ext>
-    </p:extLst>
   </p:cSld>
   <p:clrMapOvr>
     <a:masterClrMapping/>
